--- a/RestauranteCorrigido2.pptx
+++ b/RestauranteCorrigido2.pptx
@@ -3549,7 +3549,7 @@
                 <a16:creationId xmlns:a16="http://schemas.microsoft.com/office/drawing/2014/main" id="{C1DD1A8A-57D5-4A81-AD04-532B043C5611}"/>
               </a:ext>
               <a:ext uri="{C183D7F6-B498-43B3-948B-1728B52AA6E4}">
-                <adec:decorative xmlns:adec="http://schemas.microsoft.com/office/drawing/2017/decorative" val="1"/>
+                <adec:decorative xmlns:adec="http://schemas.microsoft.com/office/drawing/2017/decorative" xmlns="" val="1"/>
               </a:ext>
             </a:extLst>
           </p:cNvPr>
@@ -3638,7 +3638,7 @@
                 <a16:creationId xmlns:a16="http://schemas.microsoft.com/office/drawing/2014/main" id="{007891EC-4501-44ED-A8C8-B11B6DB767AB}"/>
               </a:ext>
               <a:ext uri="{C183D7F6-B498-43B3-948B-1728B52AA6E4}">
-                <adec:decorative xmlns:adec="http://schemas.microsoft.com/office/drawing/2017/decorative" val="1"/>
+                <adec:decorative xmlns:adec="http://schemas.microsoft.com/office/drawing/2017/decorative" xmlns="" val="1"/>
               </a:ext>
             </a:extLst>
           </p:cNvPr>
@@ -4052,6 +4052,198 @@
           </a:prstGeom>
         </p:spPr>
       </p:pic>
+      <p:sp>
+        <p:nvSpPr>
+          <p:cNvPr id="2" name="Retângulo 1"/>
+          <p:cNvSpPr/>
+          <p:nvPr/>
+        </p:nvSpPr>
+        <p:spPr>
+          <a:xfrm>
+            <a:off x="2339975" y="2606675"/>
+            <a:ext cx="720725" cy="101600"/>
+          </a:xfrm>
+          <a:prstGeom prst="rect">
+            <a:avLst/>
+          </a:prstGeom>
+          <a:solidFill>
+            <a:schemeClr val="bg1"/>
+          </a:solidFill>
+          <a:ln>
+            <a:noFill/>
+          </a:ln>
+        </p:spPr>
+        <p:style>
+          <a:lnRef idx="2">
+            <a:schemeClr val="accent1">
+              <a:shade val="50000"/>
+            </a:schemeClr>
+          </a:lnRef>
+          <a:fillRef idx="1">
+            <a:schemeClr val="accent1"/>
+          </a:fillRef>
+          <a:effectRef idx="0">
+            <a:schemeClr val="accent1"/>
+          </a:effectRef>
+          <a:fontRef idx="minor">
+            <a:schemeClr val="lt1"/>
+          </a:fontRef>
+        </p:style>
+        <p:txBody>
+          <a:bodyPr rtlCol="0" anchor="ctr"/>
+          <a:lstStyle/>
+          <a:p>
+            <a:pPr algn="ctr"/>
+            <a:endParaRPr lang="pt-BR"/>
+          </a:p>
+        </p:txBody>
+      </p:sp>
+      <p:sp>
+        <p:nvSpPr>
+          <p:cNvPr id="5" name="Retângulo 4"/>
+          <p:cNvSpPr/>
+          <p:nvPr/>
+        </p:nvSpPr>
+        <p:spPr>
+          <a:xfrm>
+            <a:off x="4143375" y="2606675"/>
+            <a:ext cx="800100" cy="101600"/>
+          </a:xfrm>
+          <a:prstGeom prst="rect">
+            <a:avLst/>
+          </a:prstGeom>
+          <a:solidFill>
+            <a:schemeClr val="bg1"/>
+          </a:solidFill>
+          <a:ln>
+            <a:noFill/>
+          </a:ln>
+        </p:spPr>
+        <p:style>
+          <a:lnRef idx="2">
+            <a:schemeClr val="accent1">
+              <a:shade val="50000"/>
+            </a:schemeClr>
+          </a:lnRef>
+          <a:fillRef idx="1">
+            <a:schemeClr val="accent1"/>
+          </a:fillRef>
+          <a:effectRef idx="0">
+            <a:schemeClr val="accent1"/>
+          </a:effectRef>
+          <a:fontRef idx="minor">
+            <a:schemeClr val="lt1"/>
+          </a:fontRef>
+        </p:style>
+        <p:txBody>
+          <a:bodyPr rtlCol="0" anchor="ctr"/>
+          <a:lstStyle/>
+          <a:p>
+            <a:pPr algn="ctr"/>
+            <a:endParaRPr lang="pt-BR"/>
+          </a:p>
+        </p:txBody>
+      </p:sp>
+      <p:sp>
+        <p:nvSpPr>
+          <p:cNvPr id="3" name="CaixaDeTexto 2"/>
+          <p:cNvSpPr txBox="1"/>
+          <p:nvPr/>
+        </p:nvSpPr>
+        <p:spPr>
+          <a:xfrm>
+            <a:off x="2314575" y="2809875"/>
+            <a:ext cx="940594" cy="184666"/>
+          </a:xfrm>
+          <a:prstGeom prst="rect">
+            <a:avLst/>
+          </a:prstGeom>
+          <a:noFill/>
+        </p:spPr>
+        <p:txBody>
+          <a:bodyPr wrap="square" rtlCol="0">
+            <a:spAutoFit/>
+          </a:bodyPr>
+          <a:lstStyle/>
+          <a:p>
+            <a:r>
+              <a:rPr lang="pt-BR" sz="600" dirty="0"/>
+              <a:t>+</a:t>
+            </a:r>
+            <a:r>
+              <a:rPr lang="pt-BR" sz="600" dirty="0" smtClean="0"/>
+              <a:t> </a:t>
+            </a:r>
+            <a:r>
+              <a:rPr lang="pt-BR" sz="600" dirty="0" err="1" smtClean="0"/>
+              <a:t>listarGerente</a:t>
+            </a:r>
+            <a:r>
+              <a:rPr lang="pt-BR" sz="600" dirty="0" smtClean="0"/>
+              <a:t>(): </a:t>
+            </a:r>
+            <a:r>
+              <a:rPr lang="pt-BR" sz="600" dirty="0" err="1" smtClean="0"/>
+              <a:t>String</a:t>
+            </a:r>
+            <a:r>
+              <a:rPr lang="pt-BR" sz="600" dirty="0" smtClean="0"/>
+              <a:t> </a:t>
+            </a:r>
+            <a:endParaRPr lang="pt-BR" sz="600" dirty="0"/>
+          </a:p>
+        </p:txBody>
+      </p:sp>
+      <p:sp>
+        <p:nvSpPr>
+          <p:cNvPr id="7" name="CaixaDeTexto 6"/>
+          <p:cNvSpPr txBox="1"/>
+          <p:nvPr/>
+        </p:nvSpPr>
+        <p:spPr>
+          <a:xfrm>
+            <a:off x="4090986" y="2809875"/>
+            <a:ext cx="1097757" cy="184666"/>
+          </a:xfrm>
+          <a:prstGeom prst="rect">
+            <a:avLst/>
+          </a:prstGeom>
+          <a:noFill/>
+        </p:spPr>
+        <p:txBody>
+          <a:bodyPr wrap="square" rtlCol="0">
+            <a:spAutoFit/>
+          </a:bodyPr>
+          <a:lstStyle/>
+          <a:p>
+            <a:r>
+              <a:rPr lang="pt-BR" sz="600" dirty="0"/>
+              <a:t>+</a:t>
+            </a:r>
+            <a:r>
+              <a:rPr lang="pt-BR" sz="600" dirty="0" smtClean="0"/>
+              <a:t> </a:t>
+            </a:r>
+            <a:r>
+              <a:rPr lang="pt-BR" sz="600" dirty="0" err="1" smtClean="0"/>
+              <a:t>listarCozinheiro</a:t>
+            </a:r>
+            <a:r>
+              <a:rPr lang="pt-BR" sz="600" dirty="0" smtClean="0"/>
+              <a:t>(): </a:t>
+            </a:r>
+            <a:r>
+              <a:rPr lang="pt-BR" sz="600" dirty="0" err="1" smtClean="0"/>
+              <a:t>String</a:t>
+            </a:r>
+            <a:r>
+              <a:rPr lang="pt-BR" sz="600" dirty="0" smtClean="0"/>
+              <a:t> </a:t>
+            </a:r>
+            <a:endParaRPr lang="pt-BR" sz="600" dirty="0"/>
+          </a:p>
+        </p:txBody>
+      </p:sp>
     </p:spTree>
     <p:extLst>
       <p:ext uri="{BB962C8B-B14F-4D97-AF65-F5344CB8AC3E}">
@@ -4545,7 +4737,7 @@
                 <a16:creationId xmlns:a16="http://schemas.microsoft.com/office/drawing/2014/main" id="{EFA9B6C6-A247-48A8-9A1C-1E36FA9456B5}"/>
               </a:ext>
               <a:ext uri="{C183D7F6-B498-43B3-948B-1728B52AA6E4}">
-                <adec:decorative xmlns:adec="http://schemas.microsoft.com/office/drawing/2017/decorative" val="1"/>
+                <adec:decorative xmlns:adec="http://schemas.microsoft.com/office/drawing/2017/decorative" xmlns="" val="1"/>
               </a:ext>
             </a:extLst>
           </p:cNvPr>
@@ -4756,7 +4948,7 @@
                 <a16:creationId xmlns:a16="http://schemas.microsoft.com/office/drawing/2014/main" id="{C5CB530E-515E-412C-9DF1-5F8FFBD6F383}"/>
               </a:ext>
               <a:ext uri="{C183D7F6-B498-43B3-948B-1728B52AA6E4}">
-                <adec:decorative xmlns:adec="http://schemas.microsoft.com/office/drawing/2017/decorative" val="1"/>
+                <adec:decorative xmlns:adec="http://schemas.microsoft.com/office/drawing/2017/decorative" xmlns="" val="1"/>
               </a:ext>
             </a:extLst>
           </p:cNvPr>
@@ -4971,7 +5163,7 @@
                 <a16:creationId xmlns:a16="http://schemas.microsoft.com/office/drawing/2014/main" id="{712D4376-A578-4FF1-94FC-245E7A6A489F}"/>
               </a:ext>
               <a:ext uri="{C183D7F6-B498-43B3-948B-1728B52AA6E4}">
-                <adec:decorative xmlns:adec="http://schemas.microsoft.com/office/drawing/2017/decorative" val="1"/>
+                <adec:decorative xmlns:adec="http://schemas.microsoft.com/office/drawing/2017/decorative" xmlns="" val="1"/>
               </a:ext>
             </a:extLst>
           </p:cNvPr>
@@ -5082,7 +5274,7 @@
                 <a16:creationId xmlns:a16="http://schemas.microsoft.com/office/drawing/2014/main" id="{AEA7509D-F04F-40CB-A0B3-EEF16499CC9F}"/>
               </a:ext>
               <a:ext uri="{C183D7F6-B498-43B3-948B-1728B52AA6E4}">
-                <adec:decorative xmlns:adec="http://schemas.microsoft.com/office/drawing/2017/decorative" val="1"/>
+                <adec:decorative xmlns:adec="http://schemas.microsoft.com/office/drawing/2017/decorative" xmlns="" val="1"/>
               </a:ext>
             </a:extLst>
           </p:cNvPr>
@@ -5241,7 +5433,7 @@
                 <a16:creationId xmlns:a16="http://schemas.microsoft.com/office/drawing/2014/main" id="{56020367-4FD5-4596-8E10-C5F095CD8DBF}"/>
               </a:ext>
               <a:ext uri="{C183D7F6-B498-43B3-948B-1728B52AA6E4}">
-                <adec:decorative xmlns:adec="http://schemas.microsoft.com/office/drawing/2017/decorative" val="1"/>
+                <adec:decorative xmlns:adec="http://schemas.microsoft.com/office/drawing/2017/decorative" xmlns="" val="1"/>
               </a:ext>
             </a:extLst>
           </p:cNvPr>
@@ -5836,7 +6028,7 @@
                 <a16:creationId xmlns:a16="http://schemas.microsoft.com/office/drawing/2014/main" id="{6753252F-4873-4F63-801D-CC719279A7D5}"/>
               </a:ext>
               <a:ext uri="{C183D7F6-B498-43B3-948B-1728B52AA6E4}">
-                <adec:decorative xmlns:adec="http://schemas.microsoft.com/office/drawing/2017/decorative" val="1"/>
+                <adec:decorative xmlns:adec="http://schemas.microsoft.com/office/drawing/2017/decorative" xmlns="" val="1"/>
               </a:ext>
             </a:extLst>
           </p:cNvPr>
@@ -5899,7 +6091,7 @@
                 <a16:creationId xmlns:a16="http://schemas.microsoft.com/office/drawing/2014/main" id="{047C8CCB-F95D-4249-92DD-651249D3535A}"/>
               </a:ext>
               <a:ext uri="{C183D7F6-B498-43B3-948B-1728B52AA6E4}">
-                <adec:decorative xmlns:adec="http://schemas.microsoft.com/office/drawing/2017/decorative" val="1"/>
+                <adec:decorative xmlns:adec="http://schemas.microsoft.com/office/drawing/2017/decorative" xmlns="" val="1"/>
               </a:ext>
             </a:extLst>
           </p:cNvPr>
@@ -6101,7 +6293,7 @@
                 <a16:creationId xmlns:a16="http://schemas.microsoft.com/office/drawing/2014/main" id="{6753252F-4873-4F63-801D-CC719279A7D5}"/>
               </a:ext>
               <a:ext uri="{C183D7F6-B498-43B3-948B-1728B52AA6E4}">
-                <adec:decorative xmlns:adec="http://schemas.microsoft.com/office/drawing/2017/decorative" val="1"/>
+                <adec:decorative xmlns:adec="http://schemas.microsoft.com/office/drawing/2017/decorative" xmlns="" val="1"/>
               </a:ext>
             </a:extLst>
           </p:cNvPr>
@@ -6164,7 +6356,7 @@
                 <a16:creationId xmlns:a16="http://schemas.microsoft.com/office/drawing/2014/main" id="{047C8CCB-F95D-4249-92DD-651249D3535A}"/>
               </a:ext>
               <a:ext uri="{C183D7F6-B498-43B3-948B-1728B52AA6E4}">
-                <adec:decorative xmlns:adec="http://schemas.microsoft.com/office/drawing/2017/decorative" val="1"/>
+                <adec:decorative xmlns:adec="http://schemas.microsoft.com/office/drawing/2017/decorative" xmlns="" val="1"/>
               </a:ext>
             </a:extLst>
           </p:cNvPr>
@@ -6355,7 +6547,7 @@
                 <a16:creationId xmlns:a16="http://schemas.microsoft.com/office/drawing/2014/main" id="{6753252F-4873-4F63-801D-CC719279A7D5}"/>
               </a:ext>
               <a:ext uri="{C183D7F6-B498-43B3-948B-1728B52AA6E4}">
-                <adec:decorative xmlns:adec="http://schemas.microsoft.com/office/drawing/2017/decorative" val="1"/>
+                <adec:decorative xmlns:adec="http://schemas.microsoft.com/office/drawing/2017/decorative" xmlns="" val="1"/>
               </a:ext>
             </a:extLst>
           </p:cNvPr>
@@ -6418,7 +6610,7 @@
                 <a16:creationId xmlns:a16="http://schemas.microsoft.com/office/drawing/2014/main" id="{047C8CCB-F95D-4249-92DD-651249D3535A}"/>
               </a:ext>
               <a:ext uri="{C183D7F6-B498-43B3-948B-1728B52AA6E4}">
-                <adec:decorative xmlns:adec="http://schemas.microsoft.com/office/drawing/2017/decorative" val="1"/>
+                <adec:decorative xmlns:adec="http://schemas.microsoft.com/office/drawing/2017/decorative" xmlns="" val="1"/>
               </a:ext>
             </a:extLst>
           </p:cNvPr>
@@ -6731,7 +6923,7 @@
                 <a16:creationId xmlns:a16="http://schemas.microsoft.com/office/drawing/2014/main" id="{6753252F-4873-4F63-801D-CC719279A7D5}"/>
               </a:ext>
               <a:ext uri="{C183D7F6-B498-43B3-948B-1728B52AA6E4}">
-                <adec:decorative xmlns:adec="http://schemas.microsoft.com/office/drawing/2017/decorative" val="1"/>
+                <adec:decorative xmlns:adec="http://schemas.microsoft.com/office/drawing/2017/decorative" xmlns="" val="1"/>
               </a:ext>
             </a:extLst>
           </p:cNvPr>
@@ -6794,7 +6986,7 @@
                 <a16:creationId xmlns:a16="http://schemas.microsoft.com/office/drawing/2014/main" id="{047C8CCB-F95D-4249-92DD-651249D3535A}"/>
               </a:ext>
               <a:ext uri="{C183D7F6-B498-43B3-948B-1728B52AA6E4}">
-                <adec:decorative xmlns:adec="http://schemas.microsoft.com/office/drawing/2017/decorative" val="1"/>
+                <adec:decorative xmlns:adec="http://schemas.microsoft.com/office/drawing/2017/decorative" xmlns="" val="1"/>
               </a:ext>
             </a:extLst>
           </p:cNvPr>

--- a/RestauranteCorrigido2.pptx
+++ b/RestauranteCorrigido2.pptx
@@ -3549,7 +3549,7 @@
                 <a16:creationId xmlns:a16="http://schemas.microsoft.com/office/drawing/2014/main" id="{C1DD1A8A-57D5-4A81-AD04-532B043C5611}"/>
               </a:ext>
               <a:ext uri="{C183D7F6-B498-43B3-948B-1728B52AA6E4}">
-                <adec:decorative xmlns:adec="http://schemas.microsoft.com/office/drawing/2017/decorative" xmlns="" val="1"/>
+                <adec:decorative xmlns="" xmlns:adec="http://schemas.microsoft.com/office/drawing/2017/decorative" val="1"/>
               </a:ext>
             </a:extLst>
           </p:cNvPr>
@@ -3638,7 +3638,7 @@
                 <a16:creationId xmlns:a16="http://schemas.microsoft.com/office/drawing/2014/main" id="{007891EC-4501-44ED-A8C8-B11B6DB767AB}"/>
               </a:ext>
               <a:ext uri="{C183D7F6-B498-43B3-948B-1728B52AA6E4}">
-                <adec:decorative xmlns:adec="http://schemas.microsoft.com/office/drawing/2017/decorative" xmlns="" val="1"/>
+                <adec:decorative xmlns="" xmlns:adec="http://schemas.microsoft.com/office/drawing/2017/decorative" val="1"/>
               </a:ext>
             </a:extLst>
           </p:cNvPr>
@@ -4254,6 +4254,13 @@
   <p:clrMapOvr>
     <a:masterClrMapping/>
   </p:clrMapOvr>
+  <p:timing>
+    <p:tnLst>
+      <p:par>
+        <p:cTn id="1" dur="indefinite" restart="never" nodeType="tmRoot"/>
+      </p:par>
+    </p:tnLst>
+  </p:timing>
 </p:sld>
 </file>
 
@@ -4309,10 +4316,10 @@
       </p:sp>
       <p:pic>
         <p:nvPicPr>
-          <p:cNvPr id="4" name="Imagem 4">
-            <a:extLst>
-              <a:ext uri="{FF2B5EF4-FFF2-40B4-BE49-F238E27FC236}">
-                <a16:creationId xmlns:a16="http://schemas.microsoft.com/office/drawing/2014/main" id="{3436FEB4-D5F5-0B54-7674-5645D2DBE095}"/>
+          <p:cNvPr id="5" name="Imagem 5">
+            <a:extLst>
+              <a:ext uri="{FF2B5EF4-FFF2-40B4-BE49-F238E27FC236}">
+                <a16:creationId xmlns:a16="http://schemas.microsoft.com/office/drawing/2014/main" id="{4F136ED4-6BB2-13C3-47C3-676114072E06}"/>
               </a:ext>
             </a:extLst>
           </p:cNvPr>
@@ -4335,8 +4342,8 @@
         </p:blipFill>
         <p:spPr>
           <a:xfrm>
-            <a:off x="205245" y="991171"/>
-            <a:ext cx="3865440" cy="5839534"/>
+            <a:off x="7945446" y="192187"/>
+            <a:ext cx="3647464" cy="6516665"/>
           </a:xfrm>
           <a:prstGeom prst="rect">
             <a:avLst/>
@@ -4345,10 +4352,10 @@
       </p:pic>
       <p:pic>
         <p:nvPicPr>
-          <p:cNvPr id="5" name="Imagem 5">
-            <a:extLst>
-              <a:ext uri="{FF2B5EF4-FFF2-40B4-BE49-F238E27FC236}">
-                <a16:creationId xmlns:a16="http://schemas.microsoft.com/office/drawing/2014/main" id="{4F136ED4-6BB2-13C3-47C3-676114072E06}"/>
+          <p:cNvPr id="6" name="Imagem 6">
+            <a:extLst>
+              <a:ext uri="{FF2B5EF4-FFF2-40B4-BE49-F238E27FC236}">
+                <a16:creationId xmlns:a16="http://schemas.microsoft.com/office/drawing/2014/main" id="{4B2679D3-40D7-B4D7-A48E-5025C4A1CD78}"/>
               </a:ext>
             </a:extLst>
           </p:cNvPr>
@@ -4371,8 +4378,8 @@
         </p:blipFill>
         <p:spPr>
           <a:xfrm>
-            <a:off x="4487543" y="991171"/>
-            <a:ext cx="3237910" cy="5784944"/>
+            <a:off x="195321" y="869318"/>
+            <a:ext cx="3813804" cy="5839534"/>
           </a:xfrm>
           <a:prstGeom prst="rect">
             <a:avLst/>
@@ -4381,10 +4388,10 @@
       </p:pic>
       <p:pic>
         <p:nvPicPr>
-          <p:cNvPr id="6" name="Imagem 6">
-            <a:extLst>
-              <a:ext uri="{FF2B5EF4-FFF2-40B4-BE49-F238E27FC236}">
-                <a16:creationId xmlns:a16="http://schemas.microsoft.com/office/drawing/2014/main" id="{4B2679D3-40D7-B4D7-A48E-5025C4A1CD78}"/>
+          <p:cNvPr id="7" name="Imagem 4">
+            <a:extLst>
+              <a:ext uri="{FF2B5EF4-FFF2-40B4-BE49-F238E27FC236}">
+                <a16:creationId xmlns:a16="http://schemas.microsoft.com/office/drawing/2014/main" id="{28FF4C59-2D0D-76CC-6F6E-A53B5379EA42}"/>
               </a:ext>
             </a:extLst>
           </p:cNvPr>
@@ -4407,8 +4414,8 @@
         </p:blipFill>
         <p:spPr>
           <a:xfrm>
-            <a:off x="8121317" y="991171"/>
-            <a:ext cx="3813804" cy="5839534"/>
+            <a:off x="4204446" y="192188"/>
+            <a:ext cx="3562699" cy="6521718"/>
           </a:xfrm>
           <a:prstGeom prst="rect">
             <a:avLst/>
@@ -4425,6 +4432,13 @@
   <p:clrMapOvr>
     <a:masterClrMapping/>
   </p:clrMapOvr>
+  <p:timing>
+    <p:tnLst>
+      <p:par>
+        <p:cTn id="1" dur="indefinite" restart="never" nodeType="tmRoot"/>
+      </p:par>
+    </p:tnLst>
+  </p:timing>
 </p:sld>
 </file>
 
@@ -4447,10 +4461,10 @@
       </p:grpSpPr>
       <p:pic>
         <p:nvPicPr>
-          <p:cNvPr id="4" name="Imagem 4">
-            <a:extLst>
-              <a:ext uri="{FF2B5EF4-FFF2-40B4-BE49-F238E27FC236}">
-                <a16:creationId xmlns:a16="http://schemas.microsoft.com/office/drawing/2014/main" id="{28FF4C59-2D0D-76CC-6F6E-A53B5379EA42}"/>
+          <p:cNvPr id="5" name="Imagem 5">
+            <a:extLst>
+              <a:ext uri="{FF2B5EF4-FFF2-40B4-BE49-F238E27FC236}">
+                <a16:creationId xmlns:a16="http://schemas.microsoft.com/office/drawing/2014/main" id="{BA8014D4-E516-7280-FF75-1C2FF3BA9478}"/>
               </a:ext>
             </a:extLst>
           </p:cNvPr>
@@ -4473,8 +4487,8 @@
         </p:blipFill>
         <p:spPr>
           <a:xfrm>
-            <a:off x="159240" y="171168"/>
-            <a:ext cx="3521007" cy="6445398"/>
+            <a:off x="4157401" y="171164"/>
+            <a:ext cx="3969939" cy="6338497"/>
           </a:xfrm>
           <a:prstGeom prst="rect">
             <a:avLst/>
@@ -4483,10 +4497,10 @@
       </p:pic>
       <p:pic>
         <p:nvPicPr>
-          <p:cNvPr id="5" name="Imagem 5">
-            <a:extLst>
-              <a:ext uri="{FF2B5EF4-FFF2-40B4-BE49-F238E27FC236}">
-                <a16:creationId xmlns:a16="http://schemas.microsoft.com/office/drawing/2014/main" id="{BA8014D4-E516-7280-FF75-1C2FF3BA9478}"/>
+          <p:cNvPr id="8" name="Imagem 8">
+            <a:extLst>
+              <a:ext uri="{FF2B5EF4-FFF2-40B4-BE49-F238E27FC236}">
+                <a16:creationId xmlns:a16="http://schemas.microsoft.com/office/drawing/2014/main" id="{4F483B5B-767A-16CA-D5BB-E38B595C4B6A}"/>
               </a:ext>
             </a:extLst>
           </p:cNvPr>
@@ -4509,8 +4523,8 @@
         </p:blipFill>
         <p:spPr>
           <a:xfrm>
-            <a:off x="3850401" y="171166"/>
-            <a:ext cx="3969939" cy="6338497"/>
+            <a:off x="63060" y="171165"/>
+            <a:ext cx="4042265" cy="6338497"/>
           </a:xfrm>
           <a:prstGeom prst="rect">
             <a:avLst/>
@@ -4519,10 +4533,10 @@
       </p:pic>
       <p:pic>
         <p:nvPicPr>
-          <p:cNvPr id="8" name="Imagem 8">
-            <a:extLst>
-              <a:ext uri="{FF2B5EF4-FFF2-40B4-BE49-F238E27FC236}">
-                <a16:creationId xmlns:a16="http://schemas.microsoft.com/office/drawing/2014/main" id="{4F483B5B-767A-16CA-D5BB-E38B595C4B6A}"/>
+          <p:cNvPr id="6" name="Imagem 4">
+            <a:extLst>
+              <a:ext uri="{FF2B5EF4-FFF2-40B4-BE49-F238E27FC236}">
+                <a16:creationId xmlns:a16="http://schemas.microsoft.com/office/drawing/2014/main" id="{3436FEB4-D5F5-0B54-7674-5645D2DBE095}"/>
               </a:ext>
             </a:extLst>
           </p:cNvPr>
@@ -4545,8 +4559,8 @@
         </p:blipFill>
         <p:spPr>
           <a:xfrm>
-            <a:off x="7990495" y="171167"/>
-            <a:ext cx="4042265" cy="6338497"/>
+            <a:off x="8221455" y="670127"/>
+            <a:ext cx="3865440" cy="5839534"/>
           </a:xfrm>
           <a:prstGeom prst="rect">
             <a:avLst/>
@@ -4563,6 +4577,13 @@
   <p:clrMapOvr>
     <a:masterClrMapping/>
   </p:clrMapOvr>
+  <p:timing>
+    <p:tnLst>
+      <p:par>
+        <p:cTn id="1" dur="indefinite" restart="never" nodeType="tmRoot"/>
+      </p:par>
+    </p:tnLst>
+  </p:timing>
 </p:sld>
 </file>
 
@@ -4701,6 +4722,13 @@
   <p:clrMapOvr>
     <a:masterClrMapping/>
   </p:clrMapOvr>
+  <p:timing>
+    <p:tnLst>
+      <p:par>
+        <p:cTn id="1" dur="indefinite" restart="never" nodeType="tmRoot"/>
+      </p:par>
+    </p:tnLst>
+  </p:timing>
 </p:sld>
 </file>
 
@@ -4737,7 +4765,7 @@
                 <a16:creationId xmlns:a16="http://schemas.microsoft.com/office/drawing/2014/main" id="{EFA9B6C6-A247-48A8-9A1C-1E36FA9456B5}"/>
               </a:ext>
               <a:ext uri="{C183D7F6-B498-43B3-948B-1728B52AA6E4}">
-                <adec:decorative xmlns:adec="http://schemas.microsoft.com/office/drawing/2017/decorative" xmlns="" val="1"/>
+                <adec:decorative xmlns="" xmlns:adec="http://schemas.microsoft.com/office/drawing/2017/decorative" val="1"/>
               </a:ext>
             </a:extLst>
           </p:cNvPr>
@@ -4948,7 +4976,7 @@
                 <a16:creationId xmlns:a16="http://schemas.microsoft.com/office/drawing/2014/main" id="{C5CB530E-515E-412C-9DF1-5F8FFBD6F383}"/>
               </a:ext>
               <a:ext uri="{C183D7F6-B498-43B3-948B-1728B52AA6E4}">
-                <adec:decorative xmlns:adec="http://schemas.microsoft.com/office/drawing/2017/decorative" xmlns="" val="1"/>
+                <adec:decorative xmlns="" xmlns:adec="http://schemas.microsoft.com/office/drawing/2017/decorative" val="1"/>
               </a:ext>
             </a:extLst>
           </p:cNvPr>
@@ -5163,7 +5191,7 @@
                 <a16:creationId xmlns:a16="http://schemas.microsoft.com/office/drawing/2014/main" id="{712D4376-A578-4FF1-94FC-245E7A6A489F}"/>
               </a:ext>
               <a:ext uri="{C183D7F6-B498-43B3-948B-1728B52AA6E4}">
-                <adec:decorative xmlns:adec="http://schemas.microsoft.com/office/drawing/2017/decorative" xmlns="" val="1"/>
+                <adec:decorative xmlns="" xmlns:adec="http://schemas.microsoft.com/office/drawing/2017/decorative" val="1"/>
               </a:ext>
             </a:extLst>
           </p:cNvPr>
@@ -5274,7 +5302,7 @@
                 <a16:creationId xmlns:a16="http://schemas.microsoft.com/office/drawing/2014/main" id="{AEA7509D-F04F-40CB-A0B3-EEF16499CC9F}"/>
               </a:ext>
               <a:ext uri="{C183D7F6-B498-43B3-948B-1728B52AA6E4}">
-                <adec:decorative xmlns:adec="http://schemas.microsoft.com/office/drawing/2017/decorative" xmlns="" val="1"/>
+                <adec:decorative xmlns="" xmlns:adec="http://schemas.microsoft.com/office/drawing/2017/decorative" val="1"/>
               </a:ext>
             </a:extLst>
           </p:cNvPr>
@@ -5433,7 +5461,7 @@
                 <a16:creationId xmlns:a16="http://schemas.microsoft.com/office/drawing/2014/main" id="{56020367-4FD5-4596-8E10-C5F095CD8DBF}"/>
               </a:ext>
               <a:ext uri="{C183D7F6-B498-43B3-948B-1728B52AA6E4}">
-                <adec:decorative xmlns:adec="http://schemas.microsoft.com/office/drawing/2017/decorative" xmlns="" val="1"/>
+                <adec:decorative xmlns="" xmlns:adec="http://schemas.microsoft.com/office/drawing/2017/decorative" val="1"/>
               </a:ext>
             </a:extLst>
           </p:cNvPr>
@@ -6028,7 +6056,7 @@
                 <a16:creationId xmlns:a16="http://schemas.microsoft.com/office/drawing/2014/main" id="{6753252F-4873-4F63-801D-CC719279A7D5}"/>
               </a:ext>
               <a:ext uri="{C183D7F6-B498-43B3-948B-1728B52AA6E4}">
-                <adec:decorative xmlns:adec="http://schemas.microsoft.com/office/drawing/2017/decorative" xmlns="" val="1"/>
+                <adec:decorative xmlns="" xmlns:adec="http://schemas.microsoft.com/office/drawing/2017/decorative" val="1"/>
               </a:ext>
             </a:extLst>
           </p:cNvPr>
@@ -6091,7 +6119,7 @@
                 <a16:creationId xmlns:a16="http://schemas.microsoft.com/office/drawing/2014/main" id="{047C8CCB-F95D-4249-92DD-651249D3535A}"/>
               </a:ext>
               <a:ext uri="{C183D7F6-B498-43B3-948B-1728B52AA6E4}">
-                <adec:decorative xmlns:adec="http://schemas.microsoft.com/office/drawing/2017/decorative" xmlns="" val="1"/>
+                <adec:decorative xmlns="" xmlns:adec="http://schemas.microsoft.com/office/drawing/2017/decorative" val="1"/>
               </a:ext>
             </a:extLst>
           </p:cNvPr>
@@ -6293,7 +6321,7 @@
                 <a16:creationId xmlns:a16="http://schemas.microsoft.com/office/drawing/2014/main" id="{6753252F-4873-4F63-801D-CC719279A7D5}"/>
               </a:ext>
               <a:ext uri="{C183D7F6-B498-43B3-948B-1728B52AA6E4}">
-                <adec:decorative xmlns:adec="http://schemas.microsoft.com/office/drawing/2017/decorative" xmlns="" val="1"/>
+                <adec:decorative xmlns="" xmlns:adec="http://schemas.microsoft.com/office/drawing/2017/decorative" val="1"/>
               </a:ext>
             </a:extLst>
           </p:cNvPr>
@@ -6356,7 +6384,7 @@
                 <a16:creationId xmlns:a16="http://schemas.microsoft.com/office/drawing/2014/main" id="{047C8CCB-F95D-4249-92DD-651249D3535A}"/>
               </a:ext>
               <a:ext uri="{C183D7F6-B498-43B3-948B-1728B52AA6E4}">
-                <adec:decorative xmlns:adec="http://schemas.microsoft.com/office/drawing/2017/decorative" xmlns="" val="1"/>
+                <adec:decorative xmlns="" xmlns:adec="http://schemas.microsoft.com/office/drawing/2017/decorative" val="1"/>
               </a:ext>
             </a:extLst>
           </p:cNvPr>
@@ -6547,7 +6575,7 @@
                 <a16:creationId xmlns:a16="http://schemas.microsoft.com/office/drawing/2014/main" id="{6753252F-4873-4F63-801D-CC719279A7D5}"/>
               </a:ext>
               <a:ext uri="{C183D7F6-B498-43B3-948B-1728B52AA6E4}">
-                <adec:decorative xmlns:adec="http://schemas.microsoft.com/office/drawing/2017/decorative" xmlns="" val="1"/>
+                <adec:decorative xmlns="" xmlns:adec="http://schemas.microsoft.com/office/drawing/2017/decorative" val="1"/>
               </a:ext>
             </a:extLst>
           </p:cNvPr>
@@ -6610,7 +6638,7 @@
                 <a16:creationId xmlns:a16="http://schemas.microsoft.com/office/drawing/2014/main" id="{047C8CCB-F95D-4249-92DD-651249D3535A}"/>
               </a:ext>
               <a:ext uri="{C183D7F6-B498-43B3-948B-1728B52AA6E4}">
-                <adec:decorative xmlns:adec="http://schemas.microsoft.com/office/drawing/2017/decorative" xmlns="" val="1"/>
+                <adec:decorative xmlns="" xmlns:adec="http://schemas.microsoft.com/office/drawing/2017/decorative" val="1"/>
               </a:ext>
             </a:extLst>
           </p:cNvPr>
@@ -6923,7 +6951,7 @@
                 <a16:creationId xmlns:a16="http://schemas.microsoft.com/office/drawing/2014/main" id="{6753252F-4873-4F63-801D-CC719279A7D5}"/>
               </a:ext>
               <a:ext uri="{C183D7F6-B498-43B3-948B-1728B52AA6E4}">
-                <adec:decorative xmlns:adec="http://schemas.microsoft.com/office/drawing/2017/decorative" xmlns="" val="1"/>
+                <adec:decorative xmlns="" xmlns:adec="http://schemas.microsoft.com/office/drawing/2017/decorative" val="1"/>
               </a:ext>
             </a:extLst>
           </p:cNvPr>
@@ -6986,7 +7014,7 @@
                 <a16:creationId xmlns:a16="http://schemas.microsoft.com/office/drawing/2014/main" id="{047C8CCB-F95D-4249-92DD-651249D3535A}"/>
               </a:ext>
               <a:ext uri="{C183D7F6-B498-43B3-948B-1728B52AA6E4}">
-                <adec:decorative xmlns:adec="http://schemas.microsoft.com/office/drawing/2017/decorative" xmlns="" val="1"/>
+                <adec:decorative xmlns="" xmlns:adec="http://schemas.microsoft.com/office/drawing/2017/decorative" val="1"/>
               </a:ext>
             </a:extLst>
           </p:cNvPr>
@@ -7259,6 +7287,13 @@
   <p:clrMapOvr>
     <a:masterClrMapping/>
   </p:clrMapOvr>
+  <p:timing>
+    <p:tnLst>
+      <p:par>
+        <p:cTn id="1" dur="indefinite" restart="never" nodeType="tmRoot"/>
+      </p:par>
+    </p:tnLst>
+  </p:timing>
 </p:sld>
 </file>
 
